--- a/docs/Images/logos.pptx
+++ b/docs/Images/logos.pptx
@@ -112,6 +112,51 @@
 </p:presentation>
 </file>
 
+<file path=ppt/revisionInfo.xml><?xml version="1.0" encoding="utf-8"?>
+<p1510:revInfo xmlns:a="http://schemas.openxmlformats.org/drawingml/2006/main" xmlns:r="http://schemas.openxmlformats.org/officeDocument/2006/relationships" xmlns:p1510="http://schemas.microsoft.com/office/powerpoint/2015/10/main">
+  <p1510:revLst>
+    <p1510:client id="{430A9F55-60B7-4F32-AA46-5DD6DED6B32A}" v="2" dt="2025-04-06T16:39:56.619"/>
+  </p1510:revLst>
+</p1510:revInfo>
+</file>
+
+<file path=ppt/changesInfos/changesInfo1.xml><?xml version="1.0" encoding="utf-8"?>
+<pc:chgInfo xmlns:a="http://schemas.openxmlformats.org/drawingml/2006/main" xmlns:r="http://schemas.openxmlformats.org/officeDocument/2006/relationships" xmlns:ac="http://schemas.microsoft.com/office/drawing/2013/main/command" xmlns:pc="http://schemas.microsoft.com/office/powerpoint/2013/main/command">
+  <pc:docChgLst>
+    <pc:chgData name="Erika Moore-Pollard" userId="f4231a707130e3e0" providerId="LiveId" clId="{430A9F55-60B7-4F32-AA46-5DD6DED6B32A}"/>
+    <pc:docChg chg="modSld">
+      <pc:chgData name="Erika Moore-Pollard" userId="f4231a707130e3e0" providerId="LiveId" clId="{430A9F55-60B7-4F32-AA46-5DD6DED6B32A}" dt="2025-04-06T16:40:10.602" v="6" actId="1076"/>
+      <pc:docMkLst>
+        <pc:docMk/>
+      </pc:docMkLst>
+      <pc:sldChg chg="addSp delSp modSp mod">
+        <pc:chgData name="Erika Moore-Pollard" userId="f4231a707130e3e0" providerId="LiveId" clId="{430A9F55-60B7-4F32-AA46-5DD6DED6B32A}" dt="2025-04-06T16:40:10.602" v="6" actId="1076"/>
+        <pc:sldMkLst>
+          <pc:docMk/>
+          <pc:sldMk cId="85563058" sldId="256"/>
+        </pc:sldMkLst>
+        <pc:picChg chg="add mod">
+          <ac:chgData name="Erika Moore-Pollard" userId="f4231a707130e3e0" providerId="LiveId" clId="{430A9F55-60B7-4F32-AA46-5DD6DED6B32A}" dt="2025-04-06T16:40:10.602" v="6" actId="1076"/>
+          <ac:picMkLst>
+            <pc:docMk/>
+            <pc:sldMk cId="85563058" sldId="256"/>
+            <ac:picMk id="4" creationId="{31BAD9DD-7DFD-E539-115A-C42212929EE6}"/>
+          </ac:picMkLst>
+        </pc:picChg>
+        <pc:picChg chg="del">
+          <ac:chgData name="Erika Moore-Pollard" userId="f4231a707130e3e0" providerId="LiveId" clId="{430A9F55-60B7-4F32-AA46-5DD6DED6B32A}" dt="2025-04-06T16:39:24.669" v="0" actId="478"/>
+          <ac:picMkLst>
+            <pc:docMk/>
+            <pc:sldMk cId="85563058" sldId="256"/>
+            <ac:picMk id="1026" creationId="{8BEEF3B3-7C0F-EE16-6C76-BEE74D819C92}"/>
+          </ac:picMkLst>
+        </pc:picChg>
+      </pc:sldChg>
+    </pc:docChg>
+  </pc:docChgLst>
+</pc:chgInfo>
+</file>
+
 <file path=ppt/slideLayouts/slideLayout1.xml><?xml version="1.0" encoding="utf-8"?>
 <p:sldLayout xmlns:a="http://schemas.openxmlformats.org/drawingml/2006/main" xmlns:r="http://schemas.openxmlformats.org/officeDocument/2006/relationships" xmlns:p="http://schemas.openxmlformats.org/presentationml/2006/main" type="title" preserve="1">
   <p:cSld name="Title Slide">
@@ -259,7 +304,7 @@
           <a:p>
             <a:fld id="{F4AC317A-AC33-486D-9E51-653B4D89698F}" type="datetimeFigureOut">
               <a:rPr lang="en-US" smtClean="0"/>
-              <a:t>3/19/2025</a:t>
+              <a:t>4/6/2025</a:t>
             </a:fld>
             <a:endParaRPr lang="en-US"/>
           </a:p>
@@ -457,7 +502,7 @@
           <a:p>
             <a:fld id="{F4AC317A-AC33-486D-9E51-653B4D89698F}" type="datetimeFigureOut">
               <a:rPr lang="en-US" smtClean="0"/>
-              <a:t>3/19/2025</a:t>
+              <a:t>4/6/2025</a:t>
             </a:fld>
             <a:endParaRPr lang="en-US"/>
           </a:p>
@@ -665,7 +710,7 @@
           <a:p>
             <a:fld id="{F4AC317A-AC33-486D-9E51-653B4D89698F}" type="datetimeFigureOut">
               <a:rPr lang="en-US" smtClean="0"/>
-              <a:t>3/19/2025</a:t>
+              <a:t>4/6/2025</a:t>
             </a:fld>
             <a:endParaRPr lang="en-US"/>
           </a:p>
@@ -863,7 +908,7 @@
           <a:p>
             <a:fld id="{F4AC317A-AC33-486D-9E51-653B4D89698F}" type="datetimeFigureOut">
               <a:rPr lang="en-US" smtClean="0"/>
-              <a:t>3/19/2025</a:t>
+              <a:t>4/6/2025</a:t>
             </a:fld>
             <a:endParaRPr lang="en-US"/>
           </a:p>
@@ -1138,7 +1183,7 @@
           <a:p>
             <a:fld id="{F4AC317A-AC33-486D-9E51-653B4D89698F}" type="datetimeFigureOut">
               <a:rPr lang="en-US" smtClean="0"/>
-              <a:t>3/19/2025</a:t>
+              <a:t>4/6/2025</a:t>
             </a:fld>
             <a:endParaRPr lang="en-US"/>
           </a:p>
@@ -1403,7 +1448,7 @@
           <a:p>
             <a:fld id="{F4AC317A-AC33-486D-9E51-653B4D89698F}" type="datetimeFigureOut">
               <a:rPr lang="en-US" smtClean="0"/>
-              <a:t>3/19/2025</a:t>
+              <a:t>4/6/2025</a:t>
             </a:fld>
             <a:endParaRPr lang="en-US"/>
           </a:p>
@@ -1815,7 +1860,7 @@
           <a:p>
             <a:fld id="{F4AC317A-AC33-486D-9E51-653B4D89698F}" type="datetimeFigureOut">
               <a:rPr lang="en-US" smtClean="0"/>
-              <a:t>3/19/2025</a:t>
+              <a:t>4/6/2025</a:t>
             </a:fld>
             <a:endParaRPr lang="en-US"/>
           </a:p>
@@ -1956,7 +2001,7 @@
           <a:p>
             <a:fld id="{F4AC317A-AC33-486D-9E51-653B4D89698F}" type="datetimeFigureOut">
               <a:rPr lang="en-US" smtClean="0"/>
-              <a:t>3/19/2025</a:t>
+              <a:t>4/6/2025</a:t>
             </a:fld>
             <a:endParaRPr lang="en-US"/>
           </a:p>
@@ -2069,7 +2114,7 @@
           <a:p>
             <a:fld id="{F4AC317A-AC33-486D-9E51-653B4D89698F}" type="datetimeFigureOut">
               <a:rPr lang="en-US" smtClean="0"/>
-              <a:t>3/19/2025</a:t>
+              <a:t>4/6/2025</a:t>
             </a:fld>
             <a:endParaRPr lang="en-US"/>
           </a:p>
@@ -2380,7 +2425,7 @@
           <a:p>
             <a:fld id="{F4AC317A-AC33-486D-9E51-653B4D89698F}" type="datetimeFigureOut">
               <a:rPr lang="en-US" smtClean="0"/>
-              <a:t>3/19/2025</a:t>
+              <a:t>4/6/2025</a:t>
             </a:fld>
             <a:endParaRPr lang="en-US"/>
           </a:p>
@@ -2668,7 +2713,7 @@
           <a:p>
             <a:fld id="{F4AC317A-AC33-486D-9E51-653B4D89698F}" type="datetimeFigureOut">
               <a:rPr lang="en-US" smtClean="0"/>
-              <a:t>3/19/2025</a:t>
+              <a:t>4/6/2025</a:t>
             </a:fld>
             <a:endParaRPr lang="en-US"/>
           </a:p>
@@ -2909,7 +2954,7 @@
           <a:p>
             <a:fld id="{F4AC317A-AC33-486D-9E51-653B4D89698F}" type="datetimeFigureOut">
               <a:rPr lang="en-US" smtClean="0"/>
-              <a:t>3/19/2025</a:t>
+              <a:t>4/6/2025</a:t>
             </a:fld>
             <a:endParaRPr lang="en-US"/>
           </a:p>
@@ -3364,53 +3409,6 @@
       </p:pic>
       <p:pic>
         <p:nvPicPr>
-          <p:cNvPr id="1026" name="Picture 2">
-            <a:extLst>
-              <a:ext uri="{FF2B5EF4-FFF2-40B4-BE49-F238E27FC236}">
-                <a16:creationId xmlns:a16="http://schemas.microsoft.com/office/drawing/2014/main" id="{8BEEF3B3-7C0F-EE16-6C76-BEE74D819C92}"/>
-              </a:ext>
-            </a:extLst>
-          </p:cNvPr>
-          <p:cNvPicPr>
-            <a:picLocks noChangeAspect="1" noChangeArrowheads="1"/>
-          </p:cNvPicPr>
-          <p:nvPr/>
-        </p:nvPicPr>
-        <p:blipFill>
-          <a:blip r:embed="rId3">
-            <a:extLst>
-              <a:ext uri="{28A0092B-C50C-407E-A947-70E740481C1C}">
-                <a14:useLocalDpi xmlns:a14="http://schemas.microsoft.com/office/drawing/2010/main" val="0"/>
-              </a:ext>
-            </a:extLst>
-          </a:blip>
-          <a:srcRect/>
-          <a:stretch>
-            <a:fillRect/>
-          </a:stretch>
-        </p:blipFill>
-        <p:spPr bwMode="auto">
-          <a:xfrm>
-            <a:off x="247051" y="2465819"/>
-            <a:ext cx="5362113" cy="1330055"/>
-          </a:xfrm>
-          <a:prstGeom prst="rect">
-            <a:avLst/>
-          </a:prstGeom>
-          <a:noFill/>
-          <a:extLst>
-            <a:ext uri="{909E8E84-426E-40DD-AFC4-6F175D3DCCD1}">
-              <a14:hiddenFill xmlns:a14="http://schemas.microsoft.com/office/drawing/2010/main">
-                <a:solidFill>
-                  <a:srgbClr val="FFFFFF"/>
-                </a:solidFill>
-              </a14:hiddenFill>
-            </a:ext>
-          </a:extLst>
-        </p:spPr>
-      </p:pic>
-      <p:pic>
-        <p:nvPicPr>
           <p:cNvPr id="2" name="Picture 2" descr="Universidad de la República - Udelar - (Uruguay) - Grupo La ...">
             <a:extLst>
               <a:ext uri="{FF2B5EF4-FFF2-40B4-BE49-F238E27FC236}">
@@ -3424,7 +3422,7 @@
           <p:nvPr/>
         </p:nvPicPr>
         <p:blipFill rotWithShape="1">
-          <a:blip r:embed="rId4">
+          <a:blip r:embed="rId3">
             <a:extLst>
               <a:ext uri="{28A0092B-C50C-407E-A947-70E740481C1C}">
                 <a14:useLocalDpi xmlns:a14="http://schemas.microsoft.com/office/drawing/2010/main" val="0"/>
@@ -3452,6 +3450,42 @@
               </a14:hiddenFill>
             </a:ext>
           </a:extLst>
+        </p:spPr>
+      </p:pic>
+      <p:pic>
+        <p:nvPicPr>
+          <p:cNvPr id="4" name="Picture 3" descr="A close up of a logo&#10;&#10;AI-generated content may be incorrect.">
+            <a:extLst>
+              <a:ext uri="{FF2B5EF4-FFF2-40B4-BE49-F238E27FC236}">
+                <a16:creationId xmlns:a16="http://schemas.microsoft.com/office/drawing/2014/main" id="{31BAD9DD-7DFD-E539-115A-C42212929EE6}"/>
+              </a:ext>
+            </a:extLst>
+          </p:cNvPr>
+          <p:cNvPicPr>
+            <a:picLocks noChangeAspect="1"/>
+          </p:cNvPicPr>
+          <p:nvPr/>
+        </p:nvPicPr>
+        <p:blipFill>
+          <a:blip r:embed="rId4">
+            <a:extLst>
+              <a:ext uri="{28A0092B-C50C-407E-A947-70E740481C1C}">
+                <a14:useLocalDpi xmlns:a14="http://schemas.microsoft.com/office/drawing/2010/main" val="0"/>
+              </a:ext>
+            </a:extLst>
+          </a:blip>
+          <a:stretch>
+            <a:fillRect/>
+          </a:stretch>
+        </p:blipFill>
+        <p:spPr>
+          <a:xfrm>
+            <a:off x="247051" y="2467141"/>
+            <a:ext cx="7035581" cy="1200446"/>
+          </a:xfrm>
+          <a:prstGeom prst="rect">
+            <a:avLst/>
+          </a:prstGeom>
         </p:spPr>
       </p:pic>
     </p:spTree>
